--- a/vignettes/Output_default.pptx
+++ b/vignettes/Output_default.pptx
@@ -3747,7 +3747,7 @@
                 <a:ea typeface="Arial"/>
                 <a:sym typeface="Arial"/>
               </a:rPr>
-              <a:t>\\pfs1w\C:\Users\kheal579\Documents\01_integral-private\integral-private\vignettes\C:\Users\kheal579\AppData\Local\Temp\RtmpWuRGVr\callr-scr-74041513d19 2022-08-15 J. Doe</a:t>
+              <a:t>\\pfs1w\C:\Users\kheal579\Documents\01_integral-private\integral-private\vignettes\C:\Users\kheal579\AppData\Local\Temp\Rtmp2nWN2H\callr-scr-99a4a6123d3 2022-08-24 J. Doe</a:t>
             </a:r>
           </a:p>
         </p:txBody>
@@ -4039,7 +4039,7 @@
                 <a:ea typeface="Arial"/>
                 <a:sym typeface="Arial"/>
               </a:rPr>
-              <a:t>\\pfs1w\C:\Users\kheal579\Documents\01_integral-private\integral-private\vignettes\C:\Users\kheal579\AppData\Local\Temp\RtmpWuRGVr\callr-scr-74041513d19 2022-08-15 J. Doe</a:t>
+              <a:t>\\pfs1w\C:\Users\kheal579\Documents\01_integral-private\integral-private\vignettes\C:\Users\kheal579\AppData\Local\Temp\Rtmp2nWN2H\callr-scr-99a4a6123d3 2022-08-24 J. Doe</a:t>
             </a:r>
           </a:p>
         </p:txBody>

--- a/vignettes/Output_default.pptx
+++ b/vignettes/Output_default.pptx
@@ -3747,7 +3747,7 @@
                 <a:ea typeface="Arial"/>
                 <a:sym typeface="Arial"/>
               </a:rPr>
-              <a:t>\\pfs1w\C:\Users\kheal579\Documents\01_integral-private\integral-private\vignettes\C:\Users\kheal579\AppData\Local\Temp\Rtmp2nWN2H\callr-scr-99a4a6123d3 2022-08-24 J. Doe</a:t>
+              <a:t>\\pfs1w\C:\Users\kheal579\Documents\01_integral-private\integral-private\vignettes\C:\Users\kheal579\AppData\Local\Temp\RtmpEzTRKa\callr-scr-94485bb46ca9 2022-08-24 J. Doe</a:t>
             </a:r>
           </a:p>
         </p:txBody>
@@ -4039,7 +4039,7 @@
                 <a:ea typeface="Arial"/>
                 <a:sym typeface="Arial"/>
               </a:rPr>
-              <a:t>\\pfs1w\C:\Users\kheal579\Documents\01_integral-private\integral-private\vignettes\C:\Users\kheal579\AppData\Local\Temp\Rtmp2nWN2H\callr-scr-99a4a6123d3 2022-08-24 J. Doe</a:t>
+              <a:t>\\pfs1w\C:\Users\kheal579\Documents\01_integral-private\integral-private\vignettes\C:\Users\kheal579\AppData\Local\Temp\RtmpEzTRKa\callr-scr-94485bb46ca9 2022-08-24 J. Doe</a:t>
             </a:r>
           </a:p>
         </p:txBody>

--- a/vignettes/Output_default.pptx
+++ b/vignettes/Output_default.pptx
@@ -3570,23 +3570,7 @@
                 <a:ea typeface="Arial"/>
                 <a:sym typeface="Arial"/>
               </a:rPr>
-              <a:t>An Empty Plot in a Template
-</a:t>
-            </a:r>
-            <a:r>
-              <a:rPr cap="none" sz="900" i="0" b="0" u="none">
-                <a:solidFill>
-                  <a:srgbClr val="000000">
-                    <a:alpha val="100000"/>
-                  </a:srgbClr>
-                </a:solidFill>
-                <a:latin typeface="Arial"/>
-                <a:cs typeface="Arial"/>
-                <a:ea typeface="Arial"/>
-                <a:sym typeface="Arial"/>
-              </a:rPr>
-              <a:t>
-</a:t>
+              <a:t>An Empty Plot in a Template</a:t>
             </a:r>
             <a:r>
               <a:rPr cap="none" sz="900" i="0" b="0" u="none">
@@ -3602,6 +3586,20 @@
               </a:rPr>
               <a:t/>
             </a:r>
+            <a:r>
+              <a:rPr cap="none" sz="900" i="0" b="0" u="none">
+                <a:solidFill>
+                  <a:srgbClr val="000000">
+                    <a:alpha val="100000"/>
+                  </a:srgbClr>
+                </a:solidFill>
+                <a:latin typeface="Arial"/>
+                <a:cs typeface="Arial"/>
+                <a:ea typeface="Arial"/>
+                <a:sym typeface="Arial"/>
+              </a:rPr>
+              <a:t/>
+            </a:r>
           </a:p>
         </p:txBody>
       </p:sp>
@@ -3747,7 +3745,7 @@
                 <a:ea typeface="Arial"/>
                 <a:sym typeface="Arial"/>
               </a:rPr>
-              <a:t>\\pfs1w\C:\Users\kheal579\Documents\01_integral-private\integral-private\vignettes\C:\Users\kheal579\AppData\Local\Temp\RtmpEzTRKa\callr-scr-94485bb46ca9 2022-08-24 J. Doe</a:t>
+              <a:t>\\pfs1w\C:\Users\kheal579\Documents\01_integral-private\integral-private\vignettes\ 2022-09-20 J. Doe</a:t>
             </a:r>
           </a:p>
         </p:txBody>
@@ -3862,23 +3860,7 @@
                 <a:ea typeface="Arial"/>
                 <a:sym typeface="Arial"/>
               </a:rPr>
-              <a:t>A Second Plot in a Template
-</a:t>
-            </a:r>
-            <a:r>
-              <a:rPr cap="none" sz="900" i="0" b="0" u="none">
-                <a:solidFill>
-                  <a:srgbClr val="000000">
-                    <a:alpha val="100000"/>
-                  </a:srgbClr>
-                </a:solidFill>
-                <a:latin typeface="Arial"/>
-                <a:cs typeface="Arial"/>
-                <a:ea typeface="Arial"/>
-                <a:sym typeface="Arial"/>
-              </a:rPr>
-              <a:t>
-</a:t>
+              <a:t>A Second Plot in a Template</a:t>
             </a:r>
             <a:r>
               <a:rPr cap="none" sz="900" i="0" b="0" u="none">
@@ -3894,6 +3876,20 @@
               </a:rPr>
               <a:t/>
             </a:r>
+            <a:r>
+              <a:rPr cap="none" sz="900" i="0" b="0" u="none">
+                <a:solidFill>
+                  <a:srgbClr val="000000">
+                    <a:alpha val="100000"/>
+                  </a:srgbClr>
+                </a:solidFill>
+                <a:latin typeface="Arial"/>
+                <a:cs typeface="Arial"/>
+                <a:ea typeface="Arial"/>
+                <a:sym typeface="Arial"/>
+              </a:rPr>
+              <a:t/>
+            </a:r>
           </a:p>
         </p:txBody>
       </p:sp>
@@ -4039,7 +4035,7 @@
                 <a:ea typeface="Arial"/>
                 <a:sym typeface="Arial"/>
               </a:rPr>
-              <a:t>\\pfs1w\C:\Users\kheal579\Documents\01_integral-private\integral-private\vignettes\C:\Users\kheal579\AppData\Local\Temp\RtmpEzTRKa\callr-scr-94485bb46ca9 2022-08-24 J. Doe</a:t>
+              <a:t>\\pfs1w\C:\Users\kheal579\Documents\01_integral-private\integral-private\vignettes\ 2022-09-20 J. Doe</a:t>
             </a:r>
           </a:p>
         </p:txBody>

--- a/vignettes/Output_default.pptx
+++ b/vignettes/Output_default.pptx
@@ -3570,7 +3570,23 @@
                 <a:ea typeface="Arial"/>
                 <a:sym typeface="Arial"/>
               </a:rPr>
-              <a:t>An Empty Plot in a Template</a:t>
+              <a:t>An Empty Plot in a Template
+</a:t>
+            </a:r>
+            <a:r>
+              <a:rPr cap="none" sz="900" i="0" b="0" u="none">
+                <a:solidFill>
+                  <a:srgbClr val="000000">
+                    <a:alpha val="100000"/>
+                  </a:srgbClr>
+                </a:solidFill>
+                <a:latin typeface="Arial"/>
+                <a:cs typeface="Arial"/>
+                <a:ea typeface="Arial"/>
+                <a:sym typeface="Arial"/>
+              </a:rPr>
+              <a:t>
+</a:t>
             </a:r>
             <a:r>
               <a:rPr cap="none" sz="900" i="0" b="0" u="none">
@@ -3586,20 +3602,6 @@
               </a:rPr>
               <a:t/>
             </a:r>
-            <a:r>
-              <a:rPr cap="none" sz="900" i="0" b="0" u="none">
-                <a:solidFill>
-                  <a:srgbClr val="000000">
-                    <a:alpha val="100000"/>
-                  </a:srgbClr>
-                </a:solidFill>
-                <a:latin typeface="Arial"/>
-                <a:cs typeface="Arial"/>
-                <a:ea typeface="Arial"/>
-                <a:sym typeface="Arial"/>
-              </a:rPr>
-              <a:t/>
-            </a:r>
           </a:p>
         </p:txBody>
       </p:sp>
@@ -3745,7 +3747,7 @@
                 <a:ea typeface="Arial"/>
                 <a:sym typeface="Arial"/>
               </a:rPr>
-              <a:t>\\pfs1w\C:\Users\kheal579\Documents\01_integral-private\integral-private\vignettes\ 2022-09-20 J. Doe</a:t>
+              <a:t>\\pfs1w\C:\Users\kheal579\Documents\01_integral-private\integral-private\vignettes\C:\Users\kheal579\AppData\Local\Temp\RtmpEzTRKa\callr-scr-94485bb46ca9 2022-08-24 J. Doe</a:t>
             </a:r>
           </a:p>
         </p:txBody>
@@ -3860,7 +3862,23 @@
                 <a:ea typeface="Arial"/>
                 <a:sym typeface="Arial"/>
               </a:rPr>
-              <a:t>A Second Plot in a Template</a:t>
+              <a:t>A Second Plot in a Template
+</a:t>
+            </a:r>
+            <a:r>
+              <a:rPr cap="none" sz="900" i="0" b="0" u="none">
+                <a:solidFill>
+                  <a:srgbClr val="000000">
+                    <a:alpha val="100000"/>
+                  </a:srgbClr>
+                </a:solidFill>
+                <a:latin typeface="Arial"/>
+                <a:cs typeface="Arial"/>
+                <a:ea typeface="Arial"/>
+                <a:sym typeface="Arial"/>
+              </a:rPr>
+              <a:t>
+</a:t>
             </a:r>
             <a:r>
               <a:rPr cap="none" sz="900" i="0" b="0" u="none">
@@ -3876,20 +3894,6 @@
               </a:rPr>
               <a:t/>
             </a:r>
-            <a:r>
-              <a:rPr cap="none" sz="900" i="0" b="0" u="none">
-                <a:solidFill>
-                  <a:srgbClr val="000000">
-                    <a:alpha val="100000"/>
-                  </a:srgbClr>
-                </a:solidFill>
-                <a:latin typeface="Arial"/>
-                <a:cs typeface="Arial"/>
-                <a:ea typeface="Arial"/>
-                <a:sym typeface="Arial"/>
-              </a:rPr>
-              <a:t/>
-            </a:r>
           </a:p>
         </p:txBody>
       </p:sp>
@@ -4035,7 +4039,7 @@
                 <a:ea typeface="Arial"/>
                 <a:sym typeface="Arial"/>
               </a:rPr>
-              <a:t>\\pfs1w\C:\Users\kheal579\Documents\01_integral-private\integral-private\vignettes\ 2022-09-20 J. Doe</a:t>
+              <a:t>\\pfs1w\C:\Users\kheal579\Documents\01_integral-private\integral-private\vignettes\C:\Users\kheal579\AppData\Local\Temp\RtmpEzTRKa\callr-scr-94485bb46ca9 2022-08-24 J. Doe</a:t>
             </a:r>
           </a:p>
         </p:txBody>
